--- a/Diplomski - MathPath.pptx
+++ b/Diplomski - MathPath.pptx
@@ -263,7 +263,7 @@
           <a:bodyPr lIns="0" rIns="0" tIns="0" bIns="0" anchor="b"/>
           <a:p>
             <a:pPr algn="r"/>
-            <a:fld id="{EF44060C-178D-4D9E-B3AB-98D55D36FE6A}" type="slidenum">
+            <a:fld id="{15731767-FB96-4D64-B494-EA3A348C3F37}" type="slidenum">
               <a:rPr b="0" lang="hr-HR" sz="1400" spc="-1" strike="noStrike">
                 <a:solidFill>
                   <a:srgbClr val="000000"/>
@@ -327,7 +327,7 @@
         <p:spPr>
           <a:xfrm>
             <a:off x="685800" y="4343400"/>
-            <a:ext cx="5485680" cy="4114080"/>
+            <a:ext cx="5485320" cy="4113720"/>
           </a:xfrm>
           <a:prstGeom prst="rect">
             <a:avLst/>
@@ -359,7 +359,7 @@
         <p:spPr>
           <a:xfrm>
             <a:off x="3884760" y="8685360"/>
-            <a:ext cx="2971080" cy="456480"/>
+            <a:ext cx="2970720" cy="456120"/>
           </a:xfrm>
           <a:prstGeom prst="rect">
             <a:avLst/>
@@ -383,7 +383,7 @@
                 <a:spcPct val="100000"/>
               </a:lnSpc>
             </a:pPr>
-            <a:fld id="{32AA579E-74A7-4308-B183-A87DEE211D35}" type="slidenum">
+            <a:fld id="{C0A95B04-6746-43E2-8805-6C93AB06D8DA}" type="slidenum">
               <a:rPr b="0" lang="hr-HR" sz="1200" spc="-1" strike="noStrike">
                 <a:solidFill>
                   <a:srgbClr val="000000"/>
@@ -3401,8 +3401,8 @@
         </p:nvSpPr>
         <p:spPr>
           <a:xfrm>
-            <a:off x="457200" y="274680"/>
-            <a:ext cx="8228880" cy="1142280"/>
+            <a:off x="457200" y="273600"/>
+            <a:ext cx="8228880" cy="1144440"/>
           </a:xfrm>
           <a:prstGeom prst="rect">
             <a:avLst/>
@@ -3439,7 +3439,7 @@
         <p:spPr>
           <a:xfrm>
             <a:off x="457200" y="1604520"/>
-            <a:ext cx="8229240" cy="3977280"/>
+            <a:ext cx="8228880" cy="3976920"/>
           </a:xfrm>
           <a:prstGeom prst="rect">
             <a:avLst/>
@@ -3457,7 +3457,7 @@
               <a:buChar char=""/>
             </a:pPr>
             <a:r>
-              <a:rPr b="0" lang="hr-HR" sz="3200" spc="-1" strike="noStrike">
+              <a:rPr b="0" lang="hr-HR" sz="1800" spc="-1" strike="noStrike">
                 <a:solidFill>
                   <a:srgbClr val="000000"/>
                 </a:solidFill>
@@ -3470,7 +3470,7 @@
               </a:rPr>
               <a:t>Click to edit the outline text format</a:t>
             </a:r>
-            <a:endParaRPr b="0" lang="hr-HR" sz="3200" spc="-1" strike="noStrike">
+            <a:endParaRPr b="0" lang="hr-HR" sz="1800" spc="-1" strike="noStrike">
               <a:solidFill>
                 <a:srgbClr val="000000"/>
               </a:solidFill>
@@ -3492,7 +3492,7 @@
               <a:buChar char=""/>
             </a:pPr>
             <a:r>
-              <a:rPr b="0" lang="hr-HR" sz="2800" spc="-1" strike="noStrike">
+              <a:rPr b="0" lang="hr-HR" sz="1800" spc="-1" strike="noStrike">
                 <a:solidFill>
                   <a:srgbClr val="000000"/>
                 </a:solidFill>
@@ -3505,7 +3505,7 @@
               </a:rPr>
               <a:t>Second Outline Level</a:t>
             </a:r>
-            <a:endParaRPr b="0" lang="hr-HR" sz="2800" spc="-1" strike="noStrike">
+            <a:endParaRPr b="0" lang="hr-HR" sz="1800" spc="-1" strike="noStrike">
               <a:solidFill>
                 <a:srgbClr val="000000"/>
               </a:solidFill>
@@ -3527,7 +3527,7 @@
               <a:buChar char=""/>
             </a:pPr>
             <a:r>
-              <a:rPr b="0" lang="hr-HR" sz="2400" spc="-1" strike="noStrike">
+              <a:rPr b="0" lang="hr-HR" sz="1800" spc="-1" strike="noStrike">
                 <a:solidFill>
                   <a:srgbClr val="000000"/>
                 </a:solidFill>
@@ -3540,7 +3540,7 @@
               </a:rPr>
               <a:t>Third Outline Level</a:t>
             </a:r>
-            <a:endParaRPr b="0" lang="hr-HR" sz="2400" spc="-1" strike="noStrike">
+            <a:endParaRPr b="0" lang="hr-HR" sz="1800" spc="-1" strike="noStrike">
               <a:solidFill>
                 <a:srgbClr val="000000"/>
               </a:solidFill>
@@ -3562,7 +3562,7 @@
               <a:buChar char=""/>
             </a:pPr>
             <a:r>
-              <a:rPr b="0" lang="hr-HR" sz="2000" spc="-1" strike="noStrike">
+              <a:rPr b="0" lang="hr-HR" sz="1800" spc="-1" strike="noStrike">
                 <a:solidFill>
                   <a:srgbClr val="000000"/>
                 </a:solidFill>
@@ -3575,7 +3575,7 @@
               </a:rPr>
               <a:t>Fourth Outline Level</a:t>
             </a:r>
-            <a:endParaRPr b="0" lang="hr-HR" sz="2000" spc="-1" strike="noStrike">
+            <a:endParaRPr b="0" lang="hr-HR" sz="1800" spc="-1" strike="noStrike">
               <a:solidFill>
                 <a:srgbClr val="000000"/>
               </a:solidFill>
@@ -3597,7 +3597,7 @@
               <a:buChar char=""/>
             </a:pPr>
             <a:r>
-              <a:rPr b="0" lang="hr-HR" sz="2000" spc="-1" strike="noStrike">
+              <a:rPr b="0" lang="hr-HR" sz="1800" spc="-1" strike="noStrike">
                 <a:solidFill>
                   <a:srgbClr val="000000"/>
                 </a:solidFill>
@@ -3610,7 +3610,7 @@
               </a:rPr>
               <a:t>Fifth Outline Level</a:t>
             </a:r>
-            <a:endParaRPr b="0" lang="hr-HR" sz="2000" spc="-1" strike="noStrike">
+            <a:endParaRPr b="0" lang="hr-HR" sz="1800" spc="-1" strike="noStrike">
               <a:solidFill>
                 <a:srgbClr val="000000"/>
               </a:solidFill>
@@ -3632,7 +3632,7 @@
               <a:buChar char=""/>
             </a:pPr>
             <a:r>
-              <a:rPr b="0" lang="hr-HR" sz="2000" spc="-1" strike="noStrike">
+              <a:rPr b="0" lang="hr-HR" sz="1800" spc="-1" strike="noStrike">
                 <a:solidFill>
                   <a:srgbClr val="000000"/>
                 </a:solidFill>
@@ -3645,7 +3645,7 @@
               </a:rPr>
               <a:t>Sixth Outline Level</a:t>
             </a:r>
-            <a:endParaRPr b="0" lang="hr-HR" sz="2000" spc="-1" strike="noStrike">
+            <a:endParaRPr b="0" lang="hr-HR" sz="1800" spc="-1" strike="noStrike">
               <a:solidFill>
                 <a:srgbClr val="000000"/>
               </a:solidFill>
@@ -3667,7 +3667,7 @@
               <a:buChar char=""/>
             </a:pPr>
             <a:r>
-              <a:rPr b="0" lang="hr-HR" sz="2000" spc="-1" strike="noStrike">
+              <a:rPr b="0" lang="hr-HR" sz="1800" spc="-1" strike="noStrike">
                 <a:solidFill>
                   <a:srgbClr val="000000"/>
                 </a:solidFill>
@@ -3680,7 +3680,7 @@
               </a:rPr>
               <a:t>Seventh Outline Level</a:t>
             </a:r>
-            <a:endParaRPr b="0" lang="hr-HR" sz="2000" spc="-1" strike="noStrike">
+            <a:endParaRPr b="0" lang="hr-HR" sz="1800" spc="-1" strike="noStrike">
               <a:solidFill>
                 <a:srgbClr val="000000"/>
               </a:solidFill>
@@ -4103,7 +4103,7 @@
         <p:spPr>
           <a:xfrm>
             <a:off x="0" y="1643040"/>
-            <a:ext cx="9143280" cy="1469160"/>
+            <a:ext cx="9142920" cy="1468800"/>
           </a:xfrm>
           <a:prstGeom prst="rect">
             <a:avLst/>
@@ -4138,6 +4138,7 @@
                   </a:solidFill>
                 </a:uFill>
                 <a:latin typeface="Century Gothic"/>
+                <a:ea typeface="DejaVu Sans"/>
               </a:rPr>
               <a:t>MathPath</a:t>
             </a:r>
@@ -4164,7 +4165,7 @@
         <p:spPr>
           <a:xfrm>
             <a:off x="428760" y="3286080"/>
-            <a:ext cx="8286120" cy="1751760"/>
+            <a:ext cx="8285760" cy="1751400"/>
           </a:xfrm>
           <a:prstGeom prst="rect">
             <a:avLst/>
@@ -4199,6 +4200,7 @@
                   </a:solidFill>
                 </a:uFill>
                 <a:latin typeface="Century Gothic"/>
+                <a:ea typeface="DejaVu Sans"/>
               </a:rPr>
               <a:t>Android igra za učenje matematike</a:t>
             </a:r>
@@ -4231,6 +4233,7 @@
                   </a:solidFill>
                 </a:uFill>
                 <a:latin typeface="Century Gothic"/>
+                <a:ea typeface="DejaVu Sans"/>
               </a:rPr>
               <a:t>Tomislav Brabec</a:t>
             </a:r>
@@ -4257,7 +4260,7 @@
         <p:spPr>
           <a:xfrm>
             <a:off x="3124080" y="6356520"/>
-            <a:ext cx="2894760" cy="364320"/>
+            <a:ext cx="2894400" cy="363960"/>
           </a:xfrm>
           <a:prstGeom prst="rect">
             <a:avLst/>
@@ -4292,6 +4295,7 @@
                   </a:solidFill>
                 </a:uFill>
                 <a:latin typeface="Century Gothic"/>
+                <a:ea typeface="DejaVu Sans"/>
               </a:rPr>
               <a:t>MathPath</a:t>
             </a:r>
@@ -4367,7 +4371,7 @@
         <p:spPr>
           <a:xfrm>
             <a:off x="457200" y="274680"/>
-            <a:ext cx="8228880" cy="1142280"/>
+            <a:ext cx="8228520" cy="1141920"/>
           </a:xfrm>
           <a:prstGeom prst="rect">
             <a:avLst/>
@@ -4402,6 +4406,7 @@
                   </a:solidFill>
                 </a:uFill>
                 <a:latin typeface="Century Gothic"/>
+                <a:ea typeface="DejaVu Sans"/>
               </a:rPr>
               <a:t>O aplikaciji</a:t>
             </a:r>
@@ -4428,7 +4433,7 @@
         <p:spPr>
           <a:xfrm>
             <a:off x="457200" y="1600200"/>
-            <a:ext cx="8228880" cy="4525200"/>
+            <a:ext cx="8228520" cy="4524840"/>
           </a:xfrm>
           <a:prstGeom prst="rect">
             <a:avLst/>
@@ -4447,7 +4452,7 @@
         <p:txBody>
           <a:bodyPr lIns="90000" rIns="90000" tIns="45000" bIns="45000"/>
           <a:p>
-            <a:pPr marL="343080" indent="-342360">
+            <a:pPr marL="343080" indent="-342000">
               <a:lnSpc>
                 <a:spcPct val="100000"/>
               </a:lnSpc>
@@ -4468,6 +4473,7 @@
                   </a:solidFill>
                 </a:uFill>
                 <a:latin typeface="Century Gothic"/>
+                <a:ea typeface="DejaVu Sans"/>
               </a:rPr>
               <a:t>Jednostavna igra za učenje matematike</a:t>
             </a:r>
@@ -4484,7 +4490,7 @@
             </a:endParaRPr>
           </a:p>
           <a:p>
-            <a:pPr marL="343080" indent="-342360">
+            <a:pPr marL="343080" indent="-342000">
               <a:lnSpc>
                 <a:spcPct val="100000"/>
               </a:lnSpc>
@@ -4505,6 +4511,7 @@
                   </a:solidFill>
                 </a:uFill>
                 <a:latin typeface="Century Gothic"/>
+                <a:ea typeface="DejaVu Sans"/>
               </a:rPr>
               <a:t>Skupljanje novčića rješavanjem zadataka</a:t>
             </a:r>
@@ -4521,7 +4528,7 @@
             </a:endParaRPr>
           </a:p>
           <a:p>
-            <a:pPr marL="343080" indent="-342360">
+            <a:pPr marL="343080" indent="-342000">
               <a:lnSpc>
                 <a:spcPct val="100000"/>
               </a:lnSpc>
@@ -4542,6 +4549,7 @@
                   </a:solidFill>
                 </a:uFill>
                 <a:latin typeface="Century Gothic"/>
+                <a:ea typeface="DejaVu Sans"/>
               </a:rPr>
               <a:t>Više tipova igara i težina, a moguće i ručno podešavanje</a:t>
             </a:r>
@@ -4558,7 +4566,7 @@
             </a:endParaRPr>
           </a:p>
           <a:p>
-            <a:pPr marL="343080" indent="-342360">
+            <a:pPr marL="343080" indent="-342000">
               <a:lnSpc>
                 <a:spcPct val="100000"/>
               </a:lnSpc>
@@ -4579,6 +4587,7 @@
                   </a:solidFill>
                 </a:uFill>
                 <a:latin typeface="Century Gothic"/>
+                <a:ea typeface="DejaVu Sans"/>
               </a:rPr>
               <a:t>Briga o ljubimcu (kupovina hrane, pića i igrački)</a:t>
             </a:r>
@@ -4595,7 +4604,7 @@
             </a:endParaRPr>
           </a:p>
           <a:p>
-            <a:pPr marL="343080" indent="-342360">
+            <a:pPr marL="343080" indent="-342000">
               <a:lnSpc>
                 <a:spcPct val="100000"/>
               </a:lnSpc>
@@ -4616,6 +4625,7 @@
                   </a:solidFill>
                 </a:uFill>
                 <a:latin typeface="Century Gothic"/>
+                <a:ea typeface="DejaVu Sans"/>
               </a:rPr>
               <a:t>Praćenje statistike</a:t>
             </a:r>
@@ -4632,7 +4642,7 @@
             </a:endParaRPr>
           </a:p>
           <a:p>
-            <a:pPr marL="343080" indent="-342360">
+            <a:pPr marL="343080" indent="-342000">
               <a:lnSpc>
                 <a:spcPct val="100000"/>
               </a:lnSpc>
@@ -4653,6 +4663,7 @@
                   </a:solidFill>
                 </a:uFill>
                 <a:latin typeface="Century Gothic"/>
+                <a:ea typeface="DejaVu Sans"/>
               </a:rPr>
               <a:t>Savjeti tokom rješavanja</a:t>
             </a:r>
@@ -4669,7 +4680,7 @@
             </a:endParaRPr>
           </a:p>
           <a:p>
-            <a:pPr marL="343080" indent="-342360">
+            <a:pPr marL="343080" indent="-342000">
               <a:lnSpc>
                 <a:spcPct val="100000"/>
               </a:lnSpc>
@@ -4690,6 +4701,7 @@
                   </a:solidFill>
                 </a:uFill>
                 <a:latin typeface="Century Gothic"/>
+                <a:ea typeface="DejaVu Sans"/>
               </a:rPr>
               <a:t>Višejezičnost (hrvatski, engleski, njemački, španjolski)</a:t>
             </a:r>
@@ -4706,7 +4718,7 @@
             </a:endParaRPr>
           </a:p>
           <a:p>
-            <a:pPr marL="343080" indent="-342360">
+            <a:pPr marL="343080" indent="-342000">
               <a:lnSpc>
                 <a:spcPct val="100000"/>
               </a:lnSpc>
@@ -4727,6 +4739,7 @@
                   </a:solidFill>
                 </a:uFill>
                 <a:latin typeface="Century Gothic"/>
+                <a:ea typeface="DejaVu Sans"/>
               </a:rPr>
               <a:t>Generiranje zadataka koji “slabije leže” korisniku</a:t>
             </a:r>
@@ -4753,7 +4766,7 @@
         <p:spPr>
           <a:xfrm>
             <a:off x="3124080" y="6356520"/>
-            <a:ext cx="2894760" cy="364320"/>
+            <a:ext cx="2894400" cy="363960"/>
           </a:xfrm>
           <a:prstGeom prst="rect">
             <a:avLst/>
@@ -4788,6 +4801,7 @@
                   </a:solidFill>
                 </a:uFill>
                 <a:latin typeface="Century Gothic"/>
+                <a:ea typeface="DejaVu Sans"/>
               </a:rPr>
               <a:t>MathPath</a:t>
             </a:r>
@@ -4863,7 +4877,7 @@
         <p:spPr>
           <a:xfrm>
             <a:off x="457200" y="274680"/>
-            <a:ext cx="8228880" cy="1142280"/>
+            <a:ext cx="8228520" cy="1141920"/>
           </a:xfrm>
           <a:prstGeom prst="rect">
             <a:avLst/>
@@ -4898,6 +4912,7 @@
                   </a:solidFill>
                 </a:uFill>
                 <a:latin typeface="Century Gothic"/>
+                <a:ea typeface="DejaVu Sans"/>
               </a:rPr>
               <a:t>Izgled</a:t>
             </a:r>
@@ -4924,7 +4939,7 @@
         <p:spPr>
           <a:xfrm>
             <a:off x="3124080" y="6356520"/>
-            <a:ext cx="2894760" cy="364320"/>
+            <a:ext cx="2894400" cy="363960"/>
           </a:xfrm>
           <a:prstGeom prst="rect">
             <a:avLst/>
@@ -4959,6 +4974,7 @@
                   </a:solidFill>
                 </a:uFill>
                 <a:latin typeface="Century Gothic"/>
+                <a:ea typeface="DejaVu Sans"/>
               </a:rPr>
               <a:t>MathPath</a:t>
             </a:r>
@@ -4989,7 +5005,7 @@
         <p:spPr>
           <a:xfrm>
             <a:off x="-857160" y="1714320"/>
-            <a:ext cx="4784760" cy="4784760"/>
+            <a:ext cx="4784400" cy="4784400"/>
           </a:xfrm>
           <a:prstGeom prst="rect">
             <a:avLst/>
@@ -5012,7 +5028,7 @@
         <p:spPr>
           <a:xfrm>
             <a:off x="5214960" y="1719360"/>
-            <a:ext cx="4784760" cy="4784760"/>
+            <a:ext cx="4784400" cy="4784400"/>
           </a:xfrm>
           <a:prstGeom prst="rect">
             <a:avLst/>
@@ -5035,7 +5051,7 @@
         <p:spPr>
           <a:xfrm>
             <a:off x="2214720" y="1714320"/>
-            <a:ext cx="4784760" cy="4784760"/>
+            <a:ext cx="4784400" cy="4784400"/>
           </a:xfrm>
           <a:prstGeom prst="rect">
             <a:avLst/>
@@ -5103,7 +5119,7 @@
         <p:spPr>
           <a:xfrm>
             <a:off x="457200" y="274680"/>
-            <a:ext cx="8228880" cy="1142280"/>
+            <a:ext cx="8228520" cy="1141920"/>
           </a:xfrm>
           <a:prstGeom prst="rect">
             <a:avLst/>
@@ -5138,6 +5154,7 @@
                   </a:solidFill>
                 </a:uFill>
                 <a:latin typeface="Century Gothic"/>
+                <a:ea typeface="DejaVu Sans"/>
               </a:rPr>
               <a:t>Izgled</a:t>
             </a:r>
@@ -5164,7 +5181,7 @@
         <p:spPr>
           <a:xfrm>
             <a:off x="3124080" y="6356520"/>
-            <a:ext cx="2894760" cy="364320"/>
+            <a:ext cx="2894400" cy="363960"/>
           </a:xfrm>
           <a:prstGeom prst="rect">
             <a:avLst/>
@@ -5199,6 +5216,7 @@
                   </a:solidFill>
                 </a:uFill>
                 <a:latin typeface="Century Gothic"/>
+                <a:ea typeface="DejaVu Sans"/>
               </a:rPr>
               <a:t>MathPath</a:t>
             </a:r>
@@ -5229,7 +5247,7 @@
         <p:spPr>
           <a:xfrm>
             <a:off x="-857160" y="1714320"/>
-            <a:ext cx="4784760" cy="4784760"/>
+            <a:ext cx="4784400" cy="4784400"/>
           </a:xfrm>
           <a:prstGeom prst="rect">
             <a:avLst/>
@@ -5252,7 +5270,7 @@
         <p:spPr>
           <a:xfrm>
             <a:off x="5214960" y="1719360"/>
-            <a:ext cx="4784760" cy="4784760"/>
+            <a:ext cx="4784400" cy="4784400"/>
           </a:xfrm>
           <a:prstGeom prst="rect">
             <a:avLst/>
@@ -5275,7 +5293,7 @@
         <p:spPr>
           <a:xfrm>
             <a:off x="2214720" y="1714320"/>
-            <a:ext cx="4784760" cy="4784760"/>
+            <a:ext cx="4784400" cy="4784400"/>
           </a:xfrm>
           <a:prstGeom prst="rect">
             <a:avLst/>
@@ -5343,7 +5361,7 @@
         <p:spPr>
           <a:xfrm>
             <a:off x="457200" y="274680"/>
-            <a:ext cx="8228880" cy="1142280"/>
+            <a:ext cx="8228520" cy="1141920"/>
           </a:xfrm>
           <a:prstGeom prst="rect">
             <a:avLst/>
@@ -5378,6 +5396,7 @@
                   </a:solidFill>
                 </a:uFill>
                 <a:latin typeface="Century Gothic"/>
+                <a:ea typeface="DejaVu Sans"/>
               </a:rPr>
               <a:t>Korištene tehnologije I biblioteke</a:t>
             </a:r>
@@ -5404,7 +5423,7 @@
         <p:spPr>
           <a:xfrm>
             <a:off x="457200" y="1600200"/>
-            <a:ext cx="8228880" cy="4828320"/>
+            <a:ext cx="8228520" cy="4827960"/>
           </a:xfrm>
           <a:prstGeom prst="rect">
             <a:avLst/>
@@ -5423,7 +5442,7 @@
         <p:txBody>
           <a:bodyPr lIns="90000" rIns="90000" tIns="45000" bIns="45000"/>
           <a:p>
-            <a:pPr marL="343080" indent="-342360">
+            <a:pPr marL="343080" indent="-342000">
               <a:lnSpc>
                 <a:spcPct val="150000"/>
               </a:lnSpc>
@@ -5444,6 +5463,7 @@
                   </a:solidFill>
                 </a:uFill>
                 <a:latin typeface="Century Gothic"/>
+                <a:ea typeface="DejaVu Sans"/>
               </a:rPr>
               <a:t>Kotlin - “poboljšana java”</a:t>
             </a:r>
@@ -5460,7 +5480,7 @@
             </a:endParaRPr>
           </a:p>
           <a:p>
-            <a:pPr marL="343080" indent="-342360">
+            <a:pPr marL="343080" indent="-342000">
               <a:lnSpc>
                 <a:spcPct val="150000"/>
               </a:lnSpc>
@@ -5481,6 +5501,7 @@
                   </a:solidFill>
                 </a:uFill>
                 <a:latin typeface="Century Gothic"/>
+                <a:ea typeface="DejaVu Sans"/>
               </a:rPr>
               <a:t>SQLite – lokalna baza podataka</a:t>
             </a:r>
@@ -5497,7 +5518,7 @@
             </a:endParaRPr>
           </a:p>
           <a:p>
-            <a:pPr marL="343080" indent="-342360">
+            <a:pPr marL="343080" indent="-342000">
               <a:lnSpc>
                 <a:spcPct val="150000"/>
               </a:lnSpc>
@@ -5518,6 +5539,7 @@
                   </a:solidFill>
                 </a:uFill>
                 <a:latin typeface="Century Gothic"/>
+                <a:ea typeface="DejaVu Sans"/>
               </a:rPr>
               <a:t>Anko SQL – wrapper za bazu podataka</a:t>
             </a:r>
@@ -5534,7 +5556,7 @@
             </a:endParaRPr>
           </a:p>
           <a:p>
-            <a:pPr marL="343080" indent="-342360">
+            <a:pPr marL="343080" indent="-342000">
               <a:lnSpc>
                 <a:spcPct val="150000"/>
               </a:lnSpc>
@@ -5555,6 +5577,7 @@
                   </a:solidFill>
                 </a:uFill>
                 <a:latin typeface="Century Gothic"/>
+                <a:ea typeface="DejaVu Sans"/>
               </a:rPr>
               <a:t>MVEL – evaluator jednadžbi</a:t>
             </a:r>
@@ -5571,7 +5594,7 @@
             </a:endParaRPr>
           </a:p>
           <a:p>
-            <a:pPr marL="343080" indent="-342360">
+            <a:pPr marL="343080" indent="-342000">
               <a:lnSpc>
                 <a:spcPct val="150000"/>
               </a:lnSpc>
@@ -5592,6 +5615,7 @@
                   </a:solidFill>
                 </a:uFill>
                 <a:latin typeface="Century Gothic"/>
+                <a:ea typeface="DejaVu Sans"/>
               </a:rPr>
               <a:t>Simplerangeview – UI komponenta, klizna traka</a:t>
             </a:r>
@@ -5608,7 +5632,7 @@
             </a:endParaRPr>
           </a:p>
           <a:p>
-            <a:pPr marL="343080" indent="-342360">
+            <a:pPr marL="343080" indent="-342000">
               <a:lnSpc>
                 <a:spcPct val="150000"/>
               </a:lnSpc>
@@ -5629,6 +5653,7 @@
                   </a:solidFill>
                 </a:uFill>
                 <a:latin typeface="Century Gothic"/>
+                <a:ea typeface="DejaVu Sans"/>
               </a:rPr>
               <a:t>MPAndroidChart – UI komponente, grafikoni</a:t>
             </a:r>
@@ -5655,7 +5680,7 @@
         <p:spPr>
           <a:xfrm>
             <a:off x="3124080" y="6356520"/>
-            <a:ext cx="2894760" cy="364320"/>
+            <a:ext cx="2894400" cy="363960"/>
           </a:xfrm>
           <a:prstGeom prst="rect">
             <a:avLst/>
@@ -5690,6 +5715,7 @@
                   </a:solidFill>
                 </a:uFill>
                 <a:latin typeface="Century Gothic"/>
+                <a:ea typeface="DejaVu Sans"/>
               </a:rPr>
               <a:t>MathPath</a:t>
             </a:r>
@@ -5765,7 +5791,7 @@
         <p:spPr>
           <a:xfrm>
             <a:off x="457200" y="274680"/>
-            <a:ext cx="8228880" cy="1142280"/>
+            <a:ext cx="8228520" cy="1141920"/>
           </a:xfrm>
           <a:prstGeom prst="rect">
             <a:avLst/>
@@ -5800,6 +5826,7 @@
                   </a:solidFill>
                 </a:uFill>
                 <a:latin typeface="Century Gothic"/>
+                <a:ea typeface="DejaVu Sans"/>
               </a:rPr>
               <a:t>Video isječak</a:t>
             </a:r>
@@ -5826,7 +5853,7 @@
         <p:spPr>
           <a:xfrm>
             <a:off x="3124080" y="6356520"/>
-            <a:ext cx="2894760" cy="364320"/>
+            <a:ext cx="2894400" cy="363960"/>
           </a:xfrm>
           <a:prstGeom prst="rect">
             <a:avLst/>
@@ -5861,6 +5888,7 @@
                   </a:solidFill>
                 </a:uFill>
                 <a:latin typeface="Century Gothic"/>
+                <a:ea typeface="DejaVu Sans"/>
               </a:rPr>
               <a:t>MathPath</a:t>
             </a:r>
@@ -5936,7 +5964,7 @@
         <p:spPr>
           <a:xfrm>
             <a:off x="428760" y="2500200"/>
-            <a:ext cx="8228880" cy="1142280"/>
+            <a:ext cx="8228520" cy="1141920"/>
           </a:xfrm>
           <a:prstGeom prst="rect">
             <a:avLst/>
@@ -5971,6 +5999,7 @@
                   </a:solidFill>
                 </a:uFill>
                 <a:latin typeface="Century Gothic"/>
+                <a:ea typeface="DejaVu Sans"/>
               </a:rPr>
               <a:t>Hvala na pažnji</a:t>
             </a:r>
@@ -5997,7 +6026,7 @@
         <p:spPr>
           <a:xfrm>
             <a:off x="3124080" y="6356520"/>
-            <a:ext cx="2894760" cy="364320"/>
+            <a:ext cx="2894400" cy="363960"/>
           </a:xfrm>
           <a:prstGeom prst="rect">
             <a:avLst/>
@@ -6032,6 +6061,7 @@
                   </a:solidFill>
                 </a:uFill>
                 <a:latin typeface="Century Gothic"/>
+                <a:ea typeface="DejaVu Sans"/>
               </a:rPr>
               <a:t>MathPath</a:t>
             </a:r>
